--- a/assets/Lab_Graphic_Template.pptx
+++ b/assets/Lab_Graphic_Template.pptx
@@ -261,7 +261,7 @@
           <a:p>
             <a:fld id="{63032E94-0861-4D9C-80D9-C7DBEFD46AE8}" type="datetimeFigureOut">
               <a:rPr lang="ko-KR" altLang="en-US" smtClean="0"/>
-              <a:t>2021-08-25</a:t>
+              <a:t>2021-09-22</a:t>
             </a:fld>
             <a:endParaRPr lang="ko-KR" altLang="en-US"/>
           </a:p>
@@ -461,7 +461,7 @@
           <a:p>
             <a:fld id="{63032E94-0861-4D9C-80D9-C7DBEFD46AE8}" type="datetimeFigureOut">
               <a:rPr lang="ko-KR" altLang="en-US" smtClean="0"/>
-              <a:t>2021-08-25</a:t>
+              <a:t>2021-09-22</a:t>
             </a:fld>
             <a:endParaRPr lang="ko-KR" altLang="en-US"/>
           </a:p>
@@ -671,7 +671,7 @@
           <a:p>
             <a:fld id="{63032E94-0861-4D9C-80D9-C7DBEFD46AE8}" type="datetimeFigureOut">
               <a:rPr lang="ko-KR" altLang="en-US" smtClean="0"/>
-              <a:t>2021-08-25</a:t>
+              <a:t>2021-09-22</a:t>
             </a:fld>
             <a:endParaRPr lang="ko-KR" altLang="en-US"/>
           </a:p>
@@ -871,7 +871,7 @@
           <a:p>
             <a:fld id="{63032E94-0861-4D9C-80D9-C7DBEFD46AE8}" type="datetimeFigureOut">
               <a:rPr lang="ko-KR" altLang="en-US" smtClean="0"/>
-              <a:t>2021-08-25</a:t>
+              <a:t>2021-09-22</a:t>
             </a:fld>
             <a:endParaRPr lang="ko-KR" altLang="en-US"/>
           </a:p>
@@ -1147,7 +1147,7 @@
           <a:p>
             <a:fld id="{63032E94-0861-4D9C-80D9-C7DBEFD46AE8}" type="datetimeFigureOut">
               <a:rPr lang="ko-KR" altLang="en-US" smtClean="0"/>
-              <a:t>2021-08-25</a:t>
+              <a:t>2021-09-22</a:t>
             </a:fld>
             <a:endParaRPr lang="ko-KR" altLang="en-US"/>
           </a:p>
@@ -1415,7 +1415,7 @@
           <a:p>
             <a:fld id="{63032E94-0861-4D9C-80D9-C7DBEFD46AE8}" type="datetimeFigureOut">
               <a:rPr lang="ko-KR" altLang="en-US" smtClean="0"/>
-              <a:t>2021-08-25</a:t>
+              <a:t>2021-09-22</a:t>
             </a:fld>
             <a:endParaRPr lang="ko-KR" altLang="en-US"/>
           </a:p>
@@ -1830,7 +1830,7 @@
           <a:p>
             <a:fld id="{63032E94-0861-4D9C-80D9-C7DBEFD46AE8}" type="datetimeFigureOut">
               <a:rPr lang="ko-KR" altLang="en-US" smtClean="0"/>
-              <a:t>2021-08-25</a:t>
+              <a:t>2021-09-22</a:t>
             </a:fld>
             <a:endParaRPr lang="ko-KR" altLang="en-US"/>
           </a:p>
@@ -1972,7 +1972,7 @@
           <a:p>
             <a:fld id="{63032E94-0861-4D9C-80D9-C7DBEFD46AE8}" type="datetimeFigureOut">
               <a:rPr lang="ko-KR" altLang="en-US" smtClean="0"/>
-              <a:t>2021-08-25</a:t>
+              <a:t>2021-09-22</a:t>
             </a:fld>
             <a:endParaRPr lang="ko-KR" altLang="en-US"/>
           </a:p>
@@ -2085,7 +2085,7 @@
           <a:p>
             <a:fld id="{63032E94-0861-4D9C-80D9-C7DBEFD46AE8}" type="datetimeFigureOut">
               <a:rPr lang="ko-KR" altLang="en-US" smtClean="0"/>
-              <a:t>2021-08-25</a:t>
+              <a:t>2021-09-22</a:t>
             </a:fld>
             <a:endParaRPr lang="ko-KR" altLang="en-US"/>
           </a:p>
@@ -2398,7 +2398,7 @@
           <a:p>
             <a:fld id="{63032E94-0861-4D9C-80D9-C7DBEFD46AE8}" type="datetimeFigureOut">
               <a:rPr lang="ko-KR" altLang="en-US" smtClean="0"/>
-              <a:t>2021-08-25</a:t>
+              <a:t>2021-09-22</a:t>
             </a:fld>
             <a:endParaRPr lang="ko-KR" altLang="en-US"/>
           </a:p>
@@ -2687,7 +2687,7 @@
           <a:p>
             <a:fld id="{63032E94-0861-4D9C-80D9-C7DBEFD46AE8}" type="datetimeFigureOut">
               <a:rPr lang="ko-KR" altLang="en-US" smtClean="0"/>
-              <a:t>2021-08-25</a:t>
+              <a:t>2021-09-22</a:t>
             </a:fld>
             <a:endParaRPr lang="ko-KR" altLang="en-US"/>
           </a:p>
@@ -2930,7 +2930,7 @@
           <a:p>
             <a:fld id="{63032E94-0861-4D9C-80D9-C7DBEFD46AE8}" type="datetimeFigureOut">
               <a:rPr lang="ko-KR" altLang="en-US" smtClean="0"/>
-              <a:t>2021-08-25</a:t>
+              <a:t>2021-09-22</a:t>
             </a:fld>
             <a:endParaRPr lang="ko-KR" altLang="en-US"/>
           </a:p>
@@ -3361,7 +3361,7 @@
         </p:nvSpPr>
         <p:spPr>
           <a:xfrm>
-            <a:off x="498763" y="932874"/>
+            <a:off x="723352" y="201713"/>
             <a:ext cx="7273638" cy="1323439"/>
           </a:xfrm>
           <a:prstGeom prst="rect">
@@ -3520,7 +3520,7 @@
         </p:nvSpPr>
         <p:spPr>
           <a:xfrm>
-            <a:off x="7024255" y="3250615"/>
+            <a:off x="178838" y="2017433"/>
             <a:ext cx="1856509" cy="1903275"/>
           </a:xfrm>
           <a:prstGeom prst="roundRect">
@@ -3580,6 +3580,42 @@
           </a:p>
         </p:txBody>
       </p:sp>
+      <p:pic>
+        <p:nvPicPr>
+          <p:cNvPr id="3" name="Picture 2">
+            <a:extLst>
+              <a:ext uri="{FF2B5EF4-FFF2-40B4-BE49-F238E27FC236}">
+                <a16:creationId xmlns:a16="http://schemas.microsoft.com/office/drawing/2014/main" id="{1A280970-8F3C-421E-90E9-742483C40409}"/>
+              </a:ext>
+            </a:extLst>
+          </p:cNvPr>
+          <p:cNvPicPr>
+            <a:picLocks noChangeAspect="1"/>
+          </p:cNvPicPr>
+          <p:nvPr/>
+        </p:nvPicPr>
+        <p:blipFill>
+          <a:blip r:embed="rId2">
+            <a:extLst>
+              <a:ext uri="{28A0092B-C50C-407E-A947-70E740481C1C}">
+                <a14:useLocalDpi xmlns:a14="http://schemas.microsoft.com/office/drawing/2010/main" val="0"/>
+              </a:ext>
+            </a:extLst>
+          </a:blip>
+          <a:stretch>
+            <a:fillRect/>
+          </a:stretch>
+        </p:blipFill>
+        <p:spPr>
+          <a:xfrm>
+            <a:off x="6942597" y="436631"/>
+            <a:ext cx="3812089" cy="1088521"/>
+          </a:xfrm>
+          <a:prstGeom prst="rect">
+            <a:avLst/>
+          </a:prstGeom>
+        </p:spPr>
+      </p:pic>
     </p:spTree>
     <p:extLst>
       <p:ext uri="{BB962C8B-B14F-4D97-AF65-F5344CB8AC3E}">

--- a/assets/Lab_Graphic_Template.pptx
+++ b/assets/Lab_Graphic_Template.pptx
@@ -261,7 +261,7 @@
           <a:p>
             <a:fld id="{63032E94-0861-4D9C-80D9-C7DBEFD46AE8}" type="datetimeFigureOut">
               <a:rPr lang="ko-KR" altLang="en-US" smtClean="0"/>
-              <a:t>2021-09-22</a:t>
+              <a:t>2022. 3. 7.</a:t>
             </a:fld>
             <a:endParaRPr lang="ko-KR" altLang="en-US"/>
           </a:p>
@@ -461,7 +461,7 @@
           <a:p>
             <a:fld id="{63032E94-0861-4D9C-80D9-C7DBEFD46AE8}" type="datetimeFigureOut">
               <a:rPr lang="ko-KR" altLang="en-US" smtClean="0"/>
-              <a:t>2021-09-22</a:t>
+              <a:t>2022. 3. 7.</a:t>
             </a:fld>
             <a:endParaRPr lang="ko-KR" altLang="en-US"/>
           </a:p>
@@ -671,7 +671,7 @@
           <a:p>
             <a:fld id="{63032E94-0861-4D9C-80D9-C7DBEFD46AE8}" type="datetimeFigureOut">
               <a:rPr lang="ko-KR" altLang="en-US" smtClean="0"/>
-              <a:t>2021-09-22</a:t>
+              <a:t>2022. 3. 7.</a:t>
             </a:fld>
             <a:endParaRPr lang="ko-KR" altLang="en-US"/>
           </a:p>
@@ -871,7 +871,7 @@
           <a:p>
             <a:fld id="{63032E94-0861-4D9C-80D9-C7DBEFD46AE8}" type="datetimeFigureOut">
               <a:rPr lang="ko-KR" altLang="en-US" smtClean="0"/>
-              <a:t>2021-09-22</a:t>
+              <a:t>2022. 3. 7.</a:t>
             </a:fld>
             <a:endParaRPr lang="ko-KR" altLang="en-US"/>
           </a:p>
@@ -1147,7 +1147,7 @@
           <a:p>
             <a:fld id="{63032E94-0861-4D9C-80D9-C7DBEFD46AE8}" type="datetimeFigureOut">
               <a:rPr lang="ko-KR" altLang="en-US" smtClean="0"/>
-              <a:t>2021-09-22</a:t>
+              <a:t>2022. 3. 7.</a:t>
             </a:fld>
             <a:endParaRPr lang="ko-KR" altLang="en-US"/>
           </a:p>
@@ -1415,7 +1415,7 @@
           <a:p>
             <a:fld id="{63032E94-0861-4D9C-80D9-C7DBEFD46AE8}" type="datetimeFigureOut">
               <a:rPr lang="ko-KR" altLang="en-US" smtClean="0"/>
-              <a:t>2021-09-22</a:t>
+              <a:t>2022. 3. 7.</a:t>
             </a:fld>
             <a:endParaRPr lang="ko-KR" altLang="en-US"/>
           </a:p>
@@ -1830,7 +1830,7 @@
           <a:p>
             <a:fld id="{63032E94-0861-4D9C-80D9-C7DBEFD46AE8}" type="datetimeFigureOut">
               <a:rPr lang="ko-KR" altLang="en-US" smtClean="0"/>
-              <a:t>2021-09-22</a:t>
+              <a:t>2022. 3. 7.</a:t>
             </a:fld>
             <a:endParaRPr lang="ko-KR" altLang="en-US"/>
           </a:p>
@@ -1972,7 +1972,7 @@
           <a:p>
             <a:fld id="{63032E94-0861-4D9C-80D9-C7DBEFD46AE8}" type="datetimeFigureOut">
               <a:rPr lang="ko-KR" altLang="en-US" smtClean="0"/>
-              <a:t>2021-09-22</a:t>
+              <a:t>2022. 3. 7.</a:t>
             </a:fld>
             <a:endParaRPr lang="ko-KR" altLang="en-US"/>
           </a:p>
@@ -2085,7 +2085,7 @@
           <a:p>
             <a:fld id="{63032E94-0861-4D9C-80D9-C7DBEFD46AE8}" type="datetimeFigureOut">
               <a:rPr lang="ko-KR" altLang="en-US" smtClean="0"/>
-              <a:t>2021-09-22</a:t>
+              <a:t>2022. 3. 7.</a:t>
             </a:fld>
             <a:endParaRPr lang="ko-KR" altLang="en-US"/>
           </a:p>
@@ -2398,7 +2398,7 @@
           <a:p>
             <a:fld id="{63032E94-0861-4D9C-80D9-C7DBEFD46AE8}" type="datetimeFigureOut">
               <a:rPr lang="ko-KR" altLang="en-US" smtClean="0"/>
-              <a:t>2021-09-22</a:t>
+              <a:t>2022. 3. 7.</a:t>
             </a:fld>
             <a:endParaRPr lang="ko-KR" altLang="en-US"/>
           </a:p>
@@ -2687,7 +2687,7 @@
           <a:p>
             <a:fld id="{63032E94-0861-4D9C-80D9-C7DBEFD46AE8}" type="datetimeFigureOut">
               <a:rPr lang="ko-KR" altLang="en-US" smtClean="0"/>
-              <a:t>2021-09-22</a:t>
+              <a:t>2022. 3. 7.</a:t>
             </a:fld>
             <a:endParaRPr lang="ko-KR" altLang="en-US"/>
           </a:p>
@@ -2930,7 +2930,7 @@
           <a:p>
             <a:fld id="{63032E94-0861-4D9C-80D9-C7DBEFD46AE8}" type="datetimeFigureOut">
               <a:rPr lang="ko-KR" altLang="en-US" smtClean="0"/>
-              <a:t>2021-09-22</a:t>
+              <a:t>2022. 3. 7.</a:t>
             </a:fld>
             <a:endParaRPr lang="ko-KR" altLang="en-US"/>
           </a:p>
@@ -3361,8 +3361,8 @@
         </p:nvSpPr>
         <p:spPr>
           <a:xfrm>
-            <a:off x="723352" y="201713"/>
-            <a:ext cx="7273638" cy="1323439"/>
+            <a:off x="89384" y="3885417"/>
+            <a:ext cx="9700659" cy="1877437"/>
           </a:xfrm>
           <a:prstGeom prst="rect">
             <a:avLst/>
@@ -3376,7 +3376,7 @@
           <a:lstStyle/>
           <a:p>
             <a:r>
-              <a:rPr lang="en-US" altLang="ko-KR" sz="4000" b="1" dirty="0">
+              <a:rPr lang="en-US" altLang="ko-KR" sz="5800" b="1" dirty="0">
                 <a:solidFill>
                   <a:srgbClr val="002060"/>
                 </a:solidFill>
@@ -3387,7 +3387,7 @@
               <a:t>H</a:t>
             </a:r>
             <a:r>
-              <a:rPr lang="en-US" altLang="ko-KR" sz="3600" dirty="0">
+              <a:rPr lang="en-US" altLang="ko-KR" sz="5800" dirty="0">
                 <a:solidFill>
                   <a:srgbClr val="002060"/>
                 </a:solidFill>
@@ -3398,7 +3398,7 @@
               <a:t>uman-</a:t>
             </a:r>
             <a:r>
-              <a:rPr lang="en-US" altLang="ko-KR" sz="4000" b="1" dirty="0">
+              <a:rPr lang="en-US" altLang="ko-KR" sz="5800" b="1" dirty="0">
                 <a:solidFill>
                   <a:srgbClr val="002060"/>
                 </a:solidFill>
@@ -3409,7 +3409,7 @@
               <a:t>C</a:t>
             </a:r>
             <a:r>
-              <a:rPr lang="en-US" altLang="ko-KR" sz="3600" dirty="0">
+              <a:rPr lang="en-US" altLang="ko-KR" sz="5800" dirty="0">
                 <a:solidFill>
                   <a:srgbClr val="002060"/>
                 </a:solidFill>
@@ -3420,7 +3420,7 @@
               <a:t>entered </a:t>
             </a:r>
             <a:r>
-              <a:rPr lang="en-US" altLang="ko-KR" sz="4000" b="1" dirty="0">
+              <a:rPr lang="en-US" altLang="ko-KR" sz="5800" b="1" dirty="0">
                 <a:solidFill>
                   <a:srgbClr val="002060"/>
                 </a:solidFill>
@@ -3431,7 +3431,7 @@
               <a:t>I</a:t>
             </a:r>
             <a:r>
-              <a:rPr lang="en-US" altLang="ko-KR" sz="3600" dirty="0">
+              <a:rPr lang="en-US" altLang="ko-KR" sz="5800" dirty="0">
                 <a:solidFill>
                   <a:srgbClr val="002060"/>
                 </a:solidFill>
@@ -3442,7 +3442,7 @@
               <a:t>nteractive</a:t>
             </a:r>
             <a:r>
-              <a:rPr lang="en-US" altLang="ko-KR" sz="3600" b="1" dirty="0">
+              <a:rPr lang="en-US" altLang="ko-KR" sz="5800" b="1" dirty="0">
                 <a:solidFill>
                   <a:srgbClr val="002060"/>
                 </a:solidFill>
@@ -3450,21 +3450,10 @@
                 <a:ea typeface="MS UI Gothic" panose="020B0600070205080204" pitchFamily="34" charset="-128"/>
                 <a:cs typeface="Lao UI" panose="020B0502040204020203" pitchFamily="34" charset="0"/>
               </a:rPr>
-              <a:t> </a:t>
-            </a:r>
-            <a:r>
-              <a:rPr lang="en-US" altLang="ko-KR" sz="4000" b="1" dirty="0">
-                <a:solidFill>
-                  <a:srgbClr val="002060"/>
-                </a:solidFill>
-                <a:latin typeface="Lao UI" panose="020B0502040204020203" pitchFamily="34" charset="0"/>
-                <a:ea typeface="MS UI Gothic" panose="020B0600070205080204" pitchFamily="34" charset="-128"/>
-                <a:cs typeface="Lao UI" panose="020B0502040204020203" pitchFamily="34" charset="0"/>
-              </a:rPr>
-              <a:t>Tech</a:t>
-            </a:r>
-            <a:r>
-              <a:rPr lang="en-US" altLang="ko-KR" sz="3600" dirty="0">
+              <a:t> Tech</a:t>
+            </a:r>
+            <a:r>
+              <a:rPr lang="en-US" altLang="ko-KR" sz="5800" dirty="0">
                 <a:solidFill>
                   <a:srgbClr val="002060"/>
                 </a:solidFill>
@@ -3475,7 +3464,7 @@
               <a:t>nologies </a:t>
             </a:r>
             <a:r>
-              <a:rPr lang="en-US" altLang="ko-KR" sz="4000" b="1" dirty="0">
+              <a:rPr lang="en-US" altLang="ko-KR" sz="5800" b="1" dirty="0">
                 <a:solidFill>
                   <a:srgbClr val="002060"/>
                 </a:solidFill>
@@ -3486,7 +3475,7 @@
               <a:t>Lab</a:t>
             </a:r>
             <a:r>
-              <a:rPr lang="en-US" altLang="ko-KR" sz="3600" dirty="0">
+              <a:rPr lang="en-US" altLang="ko-KR" sz="5800" dirty="0">
                 <a:solidFill>
                   <a:srgbClr val="002060"/>
                 </a:solidFill>
@@ -3496,7 +3485,7 @@
               </a:rPr>
               <a:t>oratory</a:t>
             </a:r>
-            <a:endParaRPr lang="ko-KR" altLang="en-US" sz="3600" dirty="0">
+            <a:endParaRPr lang="ko-KR" altLang="en-US" sz="5800" dirty="0">
               <a:solidFill>
                 <a:srgbClr val="002060"/>
               </a:solidFill>
@@ -3520,7 +3509,7 @@
         </p:nvSpPr>
         <p:spPr>
           <a:xfrm>
-            <a:off x="178838" y="2017433"/>
+            <a:off x="9826431" y="3899474"/>
             <a:ext cx="1856509" cy="1903275"/>
           </a:xfrm>
           <a:prstGeom prst="roundRect">
